--- a/CSharpProgramming/Presentations/OOProgPartIII/Adapter.pptx
+++ b/CSharpProgramming/Presentations/OOProgPartIII/Adapter.pptx
@@ -262,7 +262,7 @@
           <a:p>
             <a:fld id="{E15B7D8E-2A20-4C0E-991C-872DBB7459A8}" type="datetimeFigureOut">
               <a:rPr lang="da-DK" smtClean="0"/>
-              <a:t>11-04-2018</a:t>
+              <a:t>16-04-2018</a:t>
             </a:fld>
             <a:endParaRPr lang="da-DK"/>
           </a:p>
@@ -432,7 +432,7 @@
           <a:p>
             <a:fld id="{E15B7D8E-2A20-4C0E-991C-872DBB7459A8}" type="datetimeFigureOut">
               <a:rPr lang="da-DK" smtClean="0"/>
-              <a:t>11-04-2018</a:t>
+              <a:t>16-04-2018</a:t>
             </a:fld>
             <a:endParaRPr lang="da-DK"/>
           </a:p>
@@ -612,7 +612,7 @@
           <a:p>
             <a:fld id="{E15B7D8E-2A20-4C0E-991C-872DBB7459A8}" type="datetimeFigureOut">
               <a:rPr lang="da-DK" smtClean="0"/>
-              <a:t>11-04-2018</a:t>
+              <a:t>16-04-2018</a:t>
             </a:fld>
             <a:endParaRPr lang="da-DK"/>
           </a:p>
@@ -782,7 +782,7 @@
           <a:p>
             <a:fld id="{E15B7D8E-2A20-4C0E-991C-872DBB7459A8}" type="datetimeFigureOut">
               <a:rPr lang="da-DK" smtClean="0"/>
-              <a:t>11-04-2018</a:t>
+              <a:t>16-04-2018</a:t>
             </a:fld>
             <a:endParaRPr lang="da-DK"/>
           </a:p>
@@ -1028,7 +1028,7 @@
           <a:p>
             <a:fld id="{E15B7D8E-2A20-4C0E-991C-872DBB7459A8}" type="datetimeFigureOut">
               <a:rPr lang="da-DK" smtClean="0"/>
-              <a:t>11-04-2018</a:t>
+              <a:t>16-04-2018</a:t>
             </a:fld>
             <a:endParaRPr lang="da-DK"/>
           </a:p>
@@ -1260,7 +1260,7 @@
           <a:p>
             <a:fld id="{E15B7D8E-2A20-4C0E-991C-872DBB7459A8}" type="datetimeFigureOut">
               <a:rPr lang="da-DK" smtClean="0"/>
-              <a:t>11-04-2018</a:t>
+              <a:t>16-04-2018</a:t>
             </a:fld>
             <a:endParaRPr lang="da-DK"/>
           </a:p>
@@ -1627,7 +1627,7 @@
           <a:p>
             <a:fld id="{E15B7D8E-2A20-4C0E-991C-872DBB7459A8}" type="datetimeFigureOut">
               <a:rPr lang="da-DK" smtClean="0"/>
-              <a:t>11-04-2018</a:t>
+              <a:t>16-04-2018</a:t>
             </a:fld>
             <a:endParaRPr lang="da-DK"/>
           </a:p>
@@ -1745,7 +1745,7 @@
           <a:p>
             <a:fld id="{E15B7D8E-2A20-4C0E-991C-872DBB7459A8}" type="datetimeFigureOut">
               <a:rPr lang="da-DK" smtClean="0"/>
-              <a:t>11-04-2018</a:t>
+              <a:t>16-04-2018</a:t>
             </a:fld>
             <a:endParaRPr lang="da-DK"/>
           </a:p>
@@ -1840,7 +1840,7 @@
           <a:p>
             <a:fld id="{E15B7D8E-2A20-4C0E-991C-872DBB7459A8}" type="datetimeFigureOut">
               <a:rPr lang="da-DK" smtClean="0"/>
-              <a:t>11-04-2018</a:t>
+              <a:t>16-04-2018</a:t>
             </a:fld>
             <a:endParaRPr lang="da-DK"/>
           </a:p>
@@ -2117,7 +2117,7 @@
           <a:p>
             <a:fld id="{E15B7D8E-2A20-4C0E-991C-872DBB7459A8}" type="datetimeFigureOut">
               <a:rPr lang="da-DK" smtClean="0"/>
-              <a:t>11-04-2018</a:t>
+              <a:t>16-04-2018</a:t>
             </a:fld>
             <a:endParaRPr lang="da-DK"/>
           </a:p>
@@ -2370,7 +2370,7 @@
           <a:p>
             <a:fld id="{E15B7D8E-2A20-4C0E-991C-872DBB7459A8}" type="datetimeFigureOut">
               <a:rPr lang="da-DK" smtClean="0"/>
-              <a:t>11-04-2018</a:t>
+              <a:t>16-04-2018</a:t>
             </a:fld>
             <a:endParaRPr lang="da-DK"/>
           </a:p>
@@ -2583,7 +2583,7 @@
           <a:p>
             <a:fld id="{E15B7D8E-2A20-4C0E-991C-872DBB7459A8}" type="datetimeFigureOut">
               <a:rPr lang="da-DK" smtClean="0"/>
-              <a:t>11-04-2018</a:t>
+              <a:t>16-04-2018</a:t>
             </a:fld>
             <a:endParaRPr lang="da-DK"/>
           </a:p>
@@ -3129,8 +3129,11 @@
           </a:prstGeom>
           <a:ln w="76200">
             <a:solidFill>
-              <a:schemeClr val="tx1"/>
+              <a:schemeClr val="bg1">
+                <a:lumMod val="50000"/>
+              </a:schemeClr>
             </a:solidFill>
+            <a:prstDash val="sysDot"/>
             <a:headEnd w="lg" len="lg"/>
             <a:tailEnd type="arrow" w="lg" len="lg"/>
           </a:ln>
@@ -3459,8 +3462,11 @@
           </a:prstGeom>
           <a:ln w="76200">
             <a:solidFill>
-              <a:schemeClr val="tx1"/>
+              <a:schemeClr val="bg1">
+                <a:lumMod val="50000"/>
+              </a:schemeClr>
             </a:solidFill>
+            <a:prstDash val="sysDot"/>
             <a:headEnd w="lg" len="lg"/>
             <a:tailEnd type="arrow" w="lg" len="lg"/>
           </a:ln>
@@ -3939,8 +3945,11 @@
           </a:prstGeom>
           <a:ln w="76200">
             <a:solidFill>
-              <a:schemeClr val="tx1"/>
+              <a:schemeClr val="bg1">
+                <a:lumMod val="50000"/>
+              </a:schemeClr>
             </a:solidFill>
+            <a:prstDash val="sysDot"/>
             <a:headEnd w="lg" len="lg"/>
             <a:tailEnd type="arrow" w="lg" len="lg"/>
           </a:ln>
@@ -5779,8 +5788,11 @@
           </a:prstGeom>
           <a:ln w="76200">
             <a:solidFill>
-              <a:schemeClr val="tx1"/>
+              <a:schemeClr val="bg1">
+                <a:lumMod val="50000"/>
+              </a:schemeClr>
             </a:solidFill>
+            <a:prstDash val="sysDot"/>
             <a:headEnd w="lg" len="lg"/>
             <a:tailEnd type="arrow" w="lg" len="lg"/>
           </a:ln>
@@ -6148,6 +6160,11 @@
 <file path=ppt/slides/slide18.xml><?xml version="1.0" encoding="utf-8"?>
 <p:sld xmlns:a="http://schemas.openxmlformats.org/drawingml/2006/main" xmlns:r="http://schemas.openxmlformats.org/officeDocument/2006/relationships" xmlns:p="http://schemas.openxmlformats.org/presentationml/2006/main">
   <p:cSld>
+    <p:bg>
+      <p:bgRef idx="1001">
+        <a:schemeClr val="bg1"/>
+      </p:bgRef>
+    </p:bg>
     <p:spTree>
       <p:nvGrpSpPr>
         <p:cNvPr id="1" name=""/>
@@ -6226,8 +6243,11 @@
           </a:prstGeom>
           <a:ln w="76200">
             <a:solidFill>
-              <a:schemeClr val="tx1"/>
+              <a:schemeClr val="bg1">
+                <a:lumMod val="50000"/>
+              </a:schemeClr>
             </a:solidFill>
+            <a:prstDash val="sysDot"/>
             <a:headEnd w="lg" len="lg"/>
             <a:tailEnd type="arrow" w="lg" len="lg"/>
           </a:ln>
@@ -6628,8 +6648,11 @@
           </a:prstGeom>
           <a:ln w="76200">
             <a:solidFill>
-              <a:schemeClr val="tx1"/>
+              <a:schemeClr val="bg1">
+                <a:lumMod val="50000"/>
+              </a:schemeClr>
             </a:solidFill>
+            <a:prstDash val="sysDot"/>
             <a:headEnd w="lg" len="lg"/>
             <a:tailEnd type="arrow" w="lg" len="lg"/>
           </a:ln>
@@ -6658,7 +6681,7 @@
           <p:nvPr/>
         </p:nvPicPr>
         <p:blipFill>
-          <a:blip r:embed="rId2" cstate="print">
+          <a:blip r:embed="rId3" cstate="print">
             <a:extLst>
               <a:ext uri="{28A0092B-C50C-407E-A947-70E740481C1C}">
                 <a14:useLocalDpi xmlns:a14="http://schemas.microsoft.com/office/drawing/2010/main" val="0"/>
@@ -6698,7 +6721,7 @@
     </p:extLst>
   </p:cSld>
   <p:clrMapOvr>
-    <a:masterClrMapping/>
+    <a:overrideClrMapping bg1="lt1" tx1="dk1" bg2="lt2" tx2="dk2" accent1="accent1" accent2="accent2" accent3="accent3" accent4="accent4" accent5="accent5" accent6="accent6" hlink="hlink" folHlink="folHlink"/>
   </p:clrMapOvr>
   <mc:AlternateContent xmlns:mc="http://schemas.openxmlformats.org/markup-compatibility/2006" xmlns:p14="http://schemas.microsoft.com/office/powerpoint/2010/main">
     <mc:Choice Requires="p14">
@@ -6803,8 +6826,11 @@
           </a:prstGeom>
           <a:ln w="76200">
             <a:solidFill>
-              <a:schemeClr val="tx1"/>
+              <a:schemeClr val="bg1">
+                <a:lumMod val="50000"/>
+              </a:schemeClr>
             </a:solidFill>
+            <a:prstDash val="sysDot"/>
             <a:headEnd w="lg" len="lg"/>
             <a:tailEnd type="arrow" w="lg" len="lg"/>
           </a:ln>
@@ -7204,8 +7230,11 @@
           </a:prstGeom>
           <a:ln w="76200">
             <a:solidFill>
-              <a:schemeClr val="tx1"/>
+              <a:schemeClr val="bg1">
+                <a:lumMod val="50000"/>
+              </a:schemeClr>
             </a:solidFill>
+            <a:prstDash val="sysDot"/>
             <a:headEnd w="lg" len="lg"/>
             <a:tailEnd type="arrow" w="lg" len="lg"/>
           </a:ln>
@@ -7557,8 +7586,11 @@
           </a:prstGeom>
           <a:ln w="76200">
             <a:solidFill>
-              <a:schemeClr val="tx1"/>
+              <a:schemeClr val="bg1">
+                <a:lumMod val="50000"/>
+              </a:schemeClr>
             </a:solidFill>
+            <a:prstDash val="sysDot"/>
             <a:headEnd w="lg" len="lg"/>
             <a:tailEnd type="arrow" w="lg" len="lg"/>
           </a:ln>
@@ -8014,8 +8046,11 @@
           </a:prstGeom>
           <a:ln w="76200">
             <a:solidFill>
-              <a:schemeClr val="tx1"/>
+              <a:schemeClr val="bg1">
+                <a:lumMod val="50000"/>
+              </a:schemeClr>
             </a:solidFill>
+            <a:prstDash val="sysDot"/>
             <a:headEnd w="lg" len="lg"/>
             <a:tailEnd type="arrow" w="lg" len="lg"/>
           </a:ln>
@@ -8283,8 +8318,11 @@
           </a:prstGeom>
           <a:ln w="76200">
             <a:solidFill>
-              <a:schemeClr val="tx1"/>
+              <a:schemeClr val="bg1">
+                <a:lumMod val="50000"/>
+              </a:schemeClr>
             </a:solidFill>
+            <a:prstDash val="sysDot"/>
             <a:headEnd w="lg" len="lg"/>
             <a:tailEnd type="arrow" w="lg" len="lg"/>
           </a:ln>
@@ -8636,8 +8674,11 @@
           </a:prstGeom>
           <a:ln w="76200">
             <a:solidFill>
-              <a:schemeClr val="tx1"/>
+              <a:schemeClr val="bg1">
+                <a:lumMod val="50000"/>
+              </a:schemeClr>
             </a:solidFill>
+            <a:prstDash val="sysDot"/>
             <a:headEnd w="lg" len="lg"/>
             <a:tailEnd type="arrow" w="lg" len="lg"/>
           </a:ln>
@@ -11223,8 +11264,11 @@
           </a:prstGeom>
           <a:ln w="76200">
             <a:solidFill>
-              <a:schemeClr val="tx1"/>
+              <a:schemeClr val="bg1">
+                <a:lumMod val="50000"/>
+              </a:schemeClr>
             </a:solidFill>
+            <a:prstDash val="sysDot"/>
             <a:headEnd w="lg" len="lg"/>
             <a:tailEnd type="arrow" w="lg" len="lg"/>
           </a:ln>
@@ -11728,4 +11772,47 @@
     </a:ext>
   </a:extLst>
 </a:theme>
+</file>
+
+<file path=ppt/theme/themeOverride1.xml><?xml version="1.0" encoding="utf-8"?>
+<a:themeOverride xmlns:a="http://schemas.openxmlformats.org/drawingml/2006/main">
+  <a:clrScheme name="Kontor">
+    <a:dk1>
+      <a:sysClr val="windowText" lastClr="000000"/>
+    </a:dk1>
+    <a:lt1>
+      <a:sysClr val="window" lastClr="FFFFFF"/>
+    </a:lt1>
+    <a:dk2>
+      <a:srgbClr val="44546A"/>
+    </a:dk2>
+    <a:lt2>
+      <a:srgbClr val="E7E6E6"/>
+    </a:lt2>
+    <a:accent1>
+      <a:srgbClr val="5B9BD5"/>
+    </a:accent1>
+    <a:accent2>
+      <a:srgbClr val="ED7D31"/>
+    </a:accent2>
+    <a:accent3>
+      <a:srgbClr val="A5A5A5"/>
+    </a:accent3>
+    <a:accent4>
+      <a:srgbClr val="FFC000"/>
+    </a:accent4>
+    <a:accent5>
+      <a:srgbClr val="4472C4"/>
+    </a:accent5>
+    <a:accent6>
+      <a:srgbClr val="70AD47"/>
+    </a:accent6>
+    <a:hlink>
+      <a:srgbClr val="0563C1"/>
+    </a:hlink>
+    <a:folHlink>
+      <a:srgbClr val="954F72"/>
+    </a:folHlink>
+  </a:clrScheme>
+</a:themeOverride>
 </file>
--- a/CSharpProgramming/Presentations/OOProgPartIII/Adapter.pptx
+++ b/CSharpProgramming/Presentations/OOProgPartIII/Adapter.pptx
@@ -8,7 +8,7 @@
     <p:sldId id="271" r:id="rId2"/>
     <p:sldId id="437" r:id="rId3"/>
     <p:sldId id="472" r:id="rId4"/>
-    <p:sldId id="436" r:id="rId5"/>
+    <p:sldId id="473" r:id="rId5"/>
     <p:sldId id="454" r:id="rId6"/>
     <p:sldId id="465" r:id="rId7"/>
     <p:sldId id="444" r:id="rId8"/>
@@ -25,6 +25,9 @@
     <p:sldId id="463" r:id="rId19"/>
     <p:sldId id="453" r:id="rId20"/>
     <p:sldId id="464" r:id="rId21"/>
+    <p:sldId id="474" r:id="rId22"/>
+    <p:sldId id="475" r:id="rId23"/>
+    <p:sldId id="476" r:id="rId24"/>
   </p:sldIdLst>
   <p:sldSz cx="12192000" cy="6858000"/>
   <p:notesSz cx="6858000" cy="9144000"/>
@@ -262,7 +265,7 @@
           <a:p>
             <a:fld id="{E15B7D8E-2A20-4C0E-991C-872DBB7459A8}" type="datetimeFigureOut">
               <a:rPr lang="da-DK" smtClean="0"/>
-              <a:t>16-04-2018</a:t>
+              <a:t>17-04-2018</a:t>
             </a:fld>
             <a:endParaRPr lang="da-DK"/>
           </a:p>
@@ -432,7 +435,7 @@
           <a:p>
             <a:fld id="{E15B7D8E-2A20-4C0E-991C-872DBB7459A8}" type="datetimeFigureOut">
               <a:rPr lang="da-DK" smtClean="0"/>
-              <a:t>16-04-2018</a:t>
+              <a:t>17-04-2018</a:t>
             </a:fld>
             <a:endParaRPr lang="da-DK"/>
           </a:p>
@@ -612,7 +615,7 @@
           <a:p>
             <a:fld id="{E15B7D8E-2A20-4C0E-991C-872DBB7459A8}" type="datetimeFigureOut">
               <a:rPr lang="da-DK" smtClean="0"/>
-              <a:t>16-04-2018</a:t>
+              <a:t>17-04-2018</a:t>
             </a:fld>
             <a:endParaRPr lang="da-DK"/>
           </a:p>
@@ -782,7 +785,7 @@
           <a:p>
             <a:fld id="{E15B7D8E-2A20-4C0E-991C-872DBB7459A8}" type="datetimeFigureOut">
               <a:rPr lang="da-DK" smtClean="0"/>
-              <a:t>16-04-2018</a:t>
+              <a:t>17-04-2018</a:t>
             </a:fld>
             <a:endParaRPr lang="da-DK"/>
           </a:p>
@@ -1028,7 +1031,7 @@
           <a:p>
             <a:fld id="{E15B7D8E-2A20-4C0E-991C-872DBB7459A8}" type="datetimeFigureOut">
               <a:rPr lang="da-DK" smtClean="0"/>
-              <a:t>16-04-2018</a:t>
+              <a:t>17-04-2018</a:t>
             </a:fld>
             <a:endParaRPr lang="da-DK"/>
           </a:p>
@@ -1260,7 +1263,7 @@
           <a:p>
             <a:fld id="{E15B7D8E-2A20-4C0E-991C-872DBB7459A8}" type="datetimeFigureOut">
               <a:rPr lang="da-DK" smtClean="0"/>
-              <a:t>16-04-2018</a:t>
+              <a:t>17-04-2018</a:t>
             </a:fld>
             <a:endParaRPr lang="da-DK"/>
           </a:p>
@@ -1627,7 +1630,7 @@
           <a:p>
             <a:fld id="{E15B7D8E-2A20-4C0E-991C-872DBB7459A8}" type="datetimeFigureOut">
               <a:rPr lang="da-DK" smtClean="0"/>
-              <a:t>16-04-2018</a:t>
+              <a:t>17-04-2018</a:t>
             </a:fld>
             <a:endParaRPr lang="da-DK"/>
           </a:p>
@@ -1745,7 +1748,7 @@
           <a:p>
             <a:fld id="{E15B7D8E-2A20-4C0E-991C-872DBB7459A8}" type="datetimeFigureOut">
               <a:rPr lang="da-DK" smtClean="0"/>
-              <a:t>16-04-2018</a:t>
+              <a:t>17-04-2018</a:t>
             </a:fld>
             <a:endParaRPr lang="da-DK"/>
           </a:p>
@@ -1840,7 +1843,7 @@
           <a:p>
             <a:fld id="{E15B7D8E-2A20-4C0E-991C-872DBB7459A8}" type="datetimeFigureOut">
               <a:rPr lang="da-DK" smtClean="0"/>
-              <a:t>16-04-2018</a:t>
+              <a:t>17-04-2018</a:t>
             </a:fld>
             <a:endParaRPr lang="da-DK"/>
           </a:p>
@@ -2117,7 +2120,7 @@
           <a:p>
             <a:fld id="{E15B7D8E-2A20-4C0E-991C-872DBB7459A8}" type="datetimeFigureOut">
               <a:rPr lang="da-DK" smtClean="0"/>
-              <a:t>16-04-2018</a:t>
+              <a:t>17-04-2018</a:t>
             </a:fld>
             <a:endParaRPr lang="da-DK"/>
           </a:p>
@@ -2370,7 +2373,7 @@
           <a:p>
             <a:fld id="{E15B7D8E-2A20-4C0E-991C-872DBB7459A8}" type="datetimeFigureOut">
               <a:rPr lang="da-DK" smtClean="0"/>
-              <a:t>16-04-2018</a:t>
+              <a:t>17-04-2018</a:t>
             </a:fld>
             <a:endParaRPr lang="da-DK"/>
           </a:p>
@@ -2583,7 +2586,7 @@
           <a:p>
             <a:fld id="{E15B7D8E-2A20-4C0E-991C-872DBB7459A8}" type="datetimeFigureOut">
               <a:rPr lang="da-DK" smtClean="0"/>
-              <a:t>16-04-2018</a:t>
+              <a:t>17-04-2018</a:t>
             </a:fld>
             <a:endParaRPr lang="da-DK"/>
           </a:p>
@@ -8988,6 +8991,766 @@
 </p:sld>
 </file>
 
+<file path=ppt/slides/slide21.xml><?xml version="1.0" encoding="utf-8"?>
+<p:sld xmlns:a="http://schemas.openxmlformats.org/drawingml/2006/main" xmlns:r="http://schemas.openxmlformats.org/officeDocument/2006/relationships" xmlns:p="http://schemas.openxmlformats.org/presentationml/2006/main">
+  <p:cSld>
+    <p:spTree>
+      <p:nvGrpSpPr>
+        <p:cNvPr id="1" name=""/>
+        <p:cNvGrpSpPr/>
+        <p:nvPr/>
+      </p:nvGrpSpPr>
+      <p:grpSpPr>
+        <a:xfrm>
+          <a:off x="0" y="0"/>
+          <a:ext cx="0" cy="0"/>
+          <a:chOff x="0" y="0"/>
+          <a:chExt cx="0" cy="0"/>
+        </a:xfrm>
+      </p:grpSpPr>
+      <p:sp>
+        <p:nvSpPr>
+          <p:cNvPr id="17" name="Afrundet rektangel 16"/>
+          <p:cNvSpPr/>
+          <p:nvPr/>
+        </p:nvSpPr>
+        <p:spPr>
+          <a:xfrm>
+            <a:off x="1960062" y="2615899"/>
+            <a:ext cx="2400614" cy="1623012"/>
+          </a:xfrm>
+          <a:prstGeom prst="roundRect">
+            <a:avLst/>
+          </a:prstGeom>
+          <a:solidFill>
+            <a:schemeClr val="accent6">
+              <a:lumMod val="75000"/>
+            </a:schemeClr>
+          </a:solidFill>
+        </p:spPr>
+        <p:style>
+          <a:lnRef idx="2">
+            <a:schemeClr val="accent1">
+              <a:shade val="50000"/>
+            </a:schemeClr>
+          </a:lnRef>
+          <a:fillRef idx="1">
+            <a:schemeClr val="accent1"/>
+          </a:fillRef>
+          <a:effectRef idx="0">
+            <a:schemeClr val="accent1"/>
+          </a:effectRef>
+          <a:fontRef idx="minor">
+            <a:schemeClr val="lt1"/>
+          </a:fontRef>
+        </p:style>
+        <p:txBody>
+          <a:bodyPr rtlCol="0" anchor="t"/>
+          <a:lstStyle/>
+          <a:p>
+            <a:pPr algn="ctr"/>
+            <a:r>
+              <a:rPr lang="da-DK" sz="3600" smtClean="0"/>
+              <a:t>Client</a:t>
+            </a:r>
+          </a:p>
+        </p:txBody>
+      </p:sp>
+      <p:cxnSp>
+        <p:nvCxnSpPr>
+          <p:cNvPr id="18" name="Vinklet forbindelse 2"/>
+          <p:cNvCxnSpPr/>
+          <p:nvPr/>
+        </p:nvCxnSpPr>
+        <p:spPr>
+          <a:xfrm>
+            <a:off x="4360676" y="3427405"/>
+            <a:ext cx="1256985" cy="0"/>
+          </a:xfrm>
+          <a:prstGeom prst="straightConnector1">
+            <a:avLst/>
+          </a:prstGeom>
+          <a:ln w="76200">
+            <a:solidFill>
+              <a:schemeClr val="bg1">
+                <a:lumMod val="50000"/>
+              </a:schemeClr>
+            </a:solidFill>
+            <a:prstDash val="sysDot"/>
+            <a:headEnd w="lg" len="lg"/>
+            <a:tailEnd type="arrow" w="lg" len="lg"/>
+          </a:ln>
+        </p:spPr>
+        <p:style>
+          <a:lnRef idx="1">
+            <a:schemeClr val="accent1"/>
+          </a:lnRef>
+          <a:fillRef idx="0">
+            <a:schemeClr val="accent1"/>
+          </a:fillRef>
+          <a:effectRef idx="0">
+            <a:schemeClr val="accent1"/>
+          </a:effectRef>
+          <a:fontRef idx="minor">
+            <a:schemeClr val="tx1"/>
+          </a:fontRef>
+        </p:style>
+      </p:cxnSp>
+      <p:sp>
+        <p:nvSpPr>
+          <p:cNvPr id="19" name="Afrundet rektangel 18"/>
+          <p:cNvSpPr/>
+          <p:nvPr/>
+        </p:nvSpPr>
+        <p:spPr>
+          <a:xfrm>
+            <a:off x="5617661" y="2968356"/>
+            <a:ext cx="1800460" cy="918098"/>
+          </a:xfrm>
+          <a:prstGeom prst="roundRect">
+            <a:avLst/>
+          </a:prstGeom>
+          <a:solidFill>
+            <a:srgbClr val="0070C0">
+              <a:alpha val="40000"/>
+            </a:srgbClr>
+          </a:solidFill>
+        </p:spPr>
+        <p:style>
+          <a:lnRef idx="2">
+            <a:schemeClr val="accent1">
+              <a:shade val="50000"/>
+            </a:schemeClr>
+          </a:lnRef>
+          <a:fillRef idx="1">
+            <a:schemeClr val="accent1"/>
+          </a:fillRef>
+          <a:effectRef idx="0">
+            <a:schemeClr val="accent1"/>
+          </a:effectRef>
+          <a:fontRef idx="minor">
+            <a:schemeClr val="lt1"/>
+          </a:fontRef>
+        </p:style>
+        <p:txBody>
+          <a:bodyPr rtlCol="0" anchor="t"/>
+          <a:lstStyle/>
+          <a:p>
+            <a:pPr algn="ctr"/>
+            <a:r>
+              <a:rPr lang="da-DK" sz="3600" smtClean="0">
+                <a:solidFill>
+                  <a:srgbClr val="FFFF00"/>
+                </a:solidFill>
+              </a:rPr>
+              <a:t>IX</a:t>
+            </a:r>
+          </a:p>
+        </p:txBody>
+      </p:sp>
+      <p:pic>
+        <p:nvPicPr>
+          <p:cNvPr id="12" name="Picture 2" descr="Billedresultat for lab flask icon"/>
+          <p:cNvPicPr>
+            <a:picLocks noChangeAspect="1" noChangeArrowheads="1"/>
+          </p:cNvPicPr>
+          <p:nvPr/>
+        </p:nvPicPr>
+        <p:blipFill>
+          <a:blip r:embed="rId2" cstate="print">
+            <a:extLst>
+              <a:ext uri="{28A0092B-C50C-407E-A947-70E740481C1C}">
+                <a14:useLocalDpi xmlns:a14="http://schemas.microsoft.com/office/drawing/2010/main" val="0"/>
+              </a:ext>
+            </a:extLst>
+          </a:blip>
+          <a:srcRect/>
+          <a:stretch>
+            <a:fillRect/>
+          </a:stretch>
+        </p:blipFill>
+        <p:spPr bwMode="auto">
+          <a:xfrm>
+            <a:off x="9987446" y="2305037"/>
+            <a:ext cx="1800000" cy="1800000"/>
+          </a:xfrm>
+          <a:prstGeom prst="rect">
+            <a:avLst/>
+          </a:prstGeom>
+          <a:noFill/>
+          <a:extLst>
+            <a:ext uri="{909E8E84-426E-40DD-AFC4-6F175D3DCCD1}">
+              <a14:hiddenFill xmlns:a14="http://schemas.microsoft.com/office/drawing/2010/main">
+                <a:solidFill>
+                  <a:srgbClr val="FFFFFF"/>
+                </a:solidFill>
+              </a14:hiddenFill>
+            </a:ext>
+          </a:extLst>
+        </p:spPr>
+      </p:pic>
+    </p:spTree>
+    <p:extLst>
+      <p:ext uri="{BB962C8B-B14F-4D97-AF65-F5344CB8AC3E}">
+        <p14:creationId xmlns:p14="http://schemas.microsoft.com/office/powerpoint/2010/main" val="3120743078"/>
+      </p:ext>
+    </p:extLst>
+  </p:cSld>
+  <p:clrMapOvr>
+    <a:masterClrMapping/>
+  </p:clrMapOvr>
+  <mc:AlternateContent xmlns:mc="http://schemas.openxmlformats.org/markup-compatibility/2006" xmlns:p14="http://schemas.microsoft.com/office/powerpoint/2010/main">
+    <mc:Choice Requires="p14">
+      <p:transition p14:dur="0"/>
+    </mc:Choice>
+    <mc:Fallback xmlns="">
+      <p:transition/>
+    </mc:Fallback>
+  </mc:AlternateContent>
+  <p:timing>
+    <p:tnLst>
+      <p:par>
+        <p:cTn id="1" dur="indefinite" restart="never" nodeType="tmRoot"/>
+      </p:par>
+    </p:tnLst>
+  </p:timing>
+</p:sld>
+</file>
+
+<file path=ppt/slides/slide22.xml><?xml version="1.0" encoding="utf-8"?>
+<p:sld xmlns:a="http://schemas.openxmlformats.org/drawingml/2006/main" xmlns:r="http://schemas.openxmlformats.org/officeDocument/2006/relationships" xmlns:p="http://schemas.openxmlformats.org/presentationml/2006/main">
+  <p:cSld>
+    <p:spTree>
+      <p:nvGrpSpPr>
+        <p:cNvPr id="1" name=""/>
+        <p:cNvGrpSpPr/>
+        <p:nvPr/>
+      </p:nvGrpSpPr>
+      <p:grpSpPr>
+        <a:xfrm>
+          <a:off x="0" y="0"/>
+          <a:ext cx="0" cy="0"/>
+          <a:chOff x="0" y="0"/>
+          <a:chExt cx="0" cy="0"/>
+        </a:xfrm>
+      </p:grpSpPr>
+      <p:sp>
+        <p:nvSpPr>
+          <p:cNvPr id="3" name="Tekstfelt 2"/>
+          <p:cNvSpPr txBox="1"/>
+          <p:nvPr/>
+        </p:nvSpPr>
+        <p:spPr>
+          <a:xfrm>
+            <a:off x="1004636" y="1018940"/>
+            <a:ext cx="10094495" cy="2800767"/>
+          </a:xfrm>
+          <a:prstGeom prst="rect">
+            <a:avLst/>
+          </a:prstGeom>
+          <a:noFill/>
+        </p:spPr>
+        <p:txBody>
+          <a:bodyPr wrap="square" rtlCol="0">
+            <a:spAutoFit/>
+          </a:bodyPr>
+          <a:lstStyle/>
+          <a:p>
+            <a:endParaRPr lang="en-US" sz="2400" b="1">
+              <a:latin typeface="Consolas" panose="020B0609020204030204" pitchFamily="49" charset="0"/>
+            </a:endParaRPr>
+          </a:p>
+          <a:p>
+            <a:r>
+              <a:rPr lang="da-DK" sz="3600" b="1" smtClean="0">
+                <a:solidFill>
+                  <a:schemeClr val="accent6">
+                    <a:lumMod val="75000"/>
+                  </a:schemeClr>
+                </a:solidFill>
+                <a:latin typeface="Consolas" panose="020B0609020204030204" pitchFamily="49" charset="0"/>
+              </a:rPr>
+              <a:t>IX</a:t>
+            </a:r>
+            <a:r>
+              <a:rPr lang="da-DK" sz="3600" b="1" smtClean="0">
+                <a:latin typeface="Consolas" panose="020B0609020204030204" pitchFamily="49" charset="0"/>
+              </a:rPr>
+              <a:t> adapter </a:t>
+            </a:r>
+            <a:r>
+              <a:rPr lang="da-DK" sz="3600" b="1">
+                <a:latin typeface="Consolas" panose="020B0609020204030204" pitchFamily="49" charset="0"/>
+              </a:rPr>
+              <a:t>= </a:t>
+            </a:r>
+            <a:r>
+              <a:rPr lang="da-DK" sz="3600" b="1">
+                <a:solidFill>
+                  <a:srgbClr val="0070C0"/>
+                </a:solidFill>
+                <a:latin typeface="Consolas" panose="020B0609020204030204" pitchFamily="49" charset="0"/>
+              </a:rPr>
+              <a:t>new</a:t>
+            </a:r>
+            <a:r>
+              <a:rPr lang="da-DK" sz="3600" b="1">
+                <a:latin typeface="Consolas" panose="020B0609020204030204" pitchFamily="49" charset="0"/>
+              </a:rPr>
+              <a:t> </a:t>
+            </a:r>
+            <a:r>
+              <a:rPr lang="da-DK" sz="3600" b="1" smtClean="0">
+                <a:solidFill>
+                  <a:schemeClr val="accent6">
+                    <a:lumMod val="75000"/>
+                  </a:schemeClr>
+                </a:solidFill>
+                <a:latin typeface="Consolas" panose="020B0609020204030204" pitchFamily="49" charset="0"/>
+              </a:rPr>
+              <a:t>AdapterXY</a:t>
+            </a:r>
+            <a:r>
+              <a:rPr lang="da-DK" sz="3600" b="1" smtClean="0">
+                <a:latin typeface="Consolas" panose="020B0609020204030204" pitchFamily="49" charset="0"/>
+              </a:rPr>
+              <a:t>(…);</a:t>
+            </a:r>
+            <a:endParaRPr lang="da-DK" sz="3600" b="1" smtClean="0">
+              <a:latin typeface="Consolas" panose="020B0609020204030204" pitchFamily="49" charset="0"/>
+            </a:endParaRPr>
+          </a:p>
+          <a:p>
+            <a:r>
+              <a:rPr lang="da-DK" sz="3600" b="1">
+                <a:solidFill>
+                  <a:schemeClr val="accent6">
+                    <a:lumMod val="75000"/>
+                  </a:schemeClr>
+                </a:solidFill>
+                <a:latin typeface="Consolas" panose="020B0609020204030204" pitchFamily="49" charset="0"/>
+              </a:rPr>
+              <a:t>Client</a:t>
+            </a:r>
+            <a:r>
+              <a:rPr lang="da-DK" sz="3600" b="1">
+                <a:latin typeface="Consolas" panose="020B0609020204030204" pitchFamily="49" charset="0"/>
+              </a:rPr>
+              <a:t> c = </a:t>
+            </a:r>
+            <a:r>
+              <a:rPr lang="da-DK" sz="3600" b="1">
+                <a:solidFill>
+                  <a:srgbClr val="0070C0"/>
+                </a:solidFill>
+                <a:latin typeface="Consolas" panose="020B0609020204030204" pitchFamily="49" charset="0"/>
+              </a:rPr>
+              <a:t>new</a:t>
+            </a:r>
+            <a:r>
+              <a:rPr lang="da-DK" sz="3600" b="1">
+                <a:latin typeface="Consolas" panose="020B0609020204030204" pitchFamily="49" charset="0"/>
+              </a:rPr>
+              <a:t> </a:t>
+            </a:r>
+            <a:r>
+              <a:rPr lang="da-DK" sz="3600" b="1" smtClean="0">
+                <a:solidFill>
+                  <a:schemeClr val="accent6">
+                    <a:lumMod val="75000"/>
+                  </a:schemeClr>
+                </a:solidFill>
+                <a:latin typeface="Consolas" panose="020B0609020204030204" pitchFamily="49" charset="0"/>
+              </a:rPr>
+              <a:t>Client</a:t>
+            </a:r>
+            <a:r>
+              <a:rPr lang="da-DK" sz="3600" b="1">
+                <a:latin typeface="Consolas" panose="020B0609020204030204" pitchFamily="49" charset="0"/>
+              </a:rPr>
+              <a:t>(adapter);</a:t>
+            </a:r>
+            <a:endParaRPr lang="da-DK" sz="3600" b="1" smtClean="0">
+              <a:latin typeface="Consolas" panose="020B0609020204030204" pitchFamily="49" charset="0"/>
+            </a:endParaRPr>
+          </a:p>
+          <a:p>
+            <a:endParaRPr lang="da-DK" sz="2400" b="1">
+              <a:latin typeface="Consolas" panose="020B0609020204030204" pitchFamily="49" charset="0"/>
+            </a:endParaRPr>
+          </a:p>
+          <a:p>
+            <a:endParaRPr lang="da-DK" sz="2400" b="1">
+              <a:latin typeface="Consolas" panose="020B0609020204030204" pitchFamily="49" charset="0"/>
+            </a:endParaRPr>
+          </a:p>
+          <a:p>
+            <a:endParaRPr lang="da-DK" sz="1600" b="1">
+              <a:latin typeface="Consolas" panose="020B0609020204030204" pitchFamily="49" charset="0"/>
+            </a:endParaRPr>
+          </a:p>
+          <a:p>
+            <a:endParaRPr lang="da-DK" sz="1600" b="1">
+              <a:latin typeface="Consolas" panose="020B0609020204030204" pitchFamily="49" charset="0"/>
+            </a:endParaRPr>
+          </a:p>
+        </p:txBody>
+      </p:sp>
+    </p:spTree>
+    <p:extLst>
+      <p:ext uri="{BB962C8B-B14F-4D97-AF65-F5344CB8AC3E}">
+        <p14:creationId xmlns:p14="http://schemas.microsoft.com/office/powerpoint/2010/main" val="2217830606"/>
+      </p:ext>
+    </p:extLst>
+  </p:cSld>
+  <p:clrMapOvr>
+    <a:masterClrMapping/>
+  </p:clrMapOvr>
+  <mc:AlternateContent xmlns:mc="http://schemas.openxmlformats.org/markup-compatibility/2006" xmlns:p14="http://schemas.microsoft.com/office/powerpoint/2010/main">
+    <mc:Choice Requires="p14">
+      <p:transition spd="med" p14:dur="700">
+        <p:fade/>
+      </p:transition>
+    </mc:Choice>
+    <mc:Fallback xmlns="">
+      <p:transition spd="med">
+        <p:fade/>
+      </p:transition>
+    </mc:Fallback>
+  </mc:AlternateContent>
+  <p:timing>
+    <p:tnLst>
+      <p:par>
+        <p:cTn id="1" dur="indefinite" restart="never" nodeType="tmRoot"/>
+      </p:par>
+    </p:tnLst>
+  </p:timing>
+</p:sld>
+</file>
+
+<file path=ppt/slides/slide23.xml><?xml version="1.0" encoding="utf-8"?>
+<p:sld xmlns:a="http://schemas.openxmlformats.org/drawingml/2006/main" xmlns:r="http://schemas.openxmlformats.org/officeDocument/2006/relationships" xmlns:p="http://schemas.openxmlformats.org/presentationml/2006/main">
+  <p:cSld>
+    <p:spTree>
+      <p:nvGrpSpPr>
+        <p:cNvPr id="1" name=""/>
+        <p:cNvGrpSpPr/>
+        <p:nvPr/>
+      </p:nvGrpSpPr>
+      <p:grpSpPr>
+        <a:xfrm>
+          <a:off x="0" y="0"/>
+          <a:ext cx="0" cy="0"/>
+          <a:chOff x="0" y="0"/>
+          <a:chExt cx="0" cy="0"/>
+        </a:xfrm>
+      </p:grpSpPr>
+      <p:sp>
+        <p:nvSpPr>
+          <p:cNvPr id="14" name="Afrundet rektangel 13"/>
+          <p:cNvSpPr/>
+          <p:nvPr/>
+        </p:nvSpPr>
+        <p:spPr>
+          <a:xfrm>
+            <a:off x="6081587" y="3574377"/>
+            <a:ext cx="1800460" cy="1424323"/>
+          </a:xfrm>
+          <a:prstGeom prst="roundRect">
+            <a:avLst/>
+          </a:prstGeom>
+          <a:solidFill>
+            <a:srgbClr val="C00000"/>
+          </a:solidFill>
+        </p:spPr>
+        <p:style>
+          <a:lnRef idx="2">
+            <a:schemeClr val="accent1">
+              <a:shade val="50000"/>
+            </a:schemeClr>
+          </a:lnRef>
+          <a:fillRef idx="1">
+            <a:schemeClr val="accent1"/>
+          </a:fillRef>
+          <a:effectRef idx="0">
+            <a:schemeClr val="accent1"/>
+          </a:effectRef>
+          <a:fontRef idx="minor">
+            <a:schemeClr val="lt1"/>
+          </a:fontRef>
+        </p:style>
+        <p:txBody>
+          <a:bodyPr rtlCol="0" anchor="t"/>
+          <a:lstStyle/>
+          <a:p>
+            <a:pPr algn="ctr"/>
+            <a:endParaRPr lang="da-DK" sz="2800" smtClean="0"/>
+          </a:p>
+        </p:txBody>
+      </p:sp>
+      <p:sp>
+        <p:nvSpPr>
+          <p:cNvPr id="4" name="Afrundet rektangel 3"/>
+          <p:cNvSpPr/>
+          <p:nvPr/>
+        </p:nvSpPr>
+        <p:spPr>
+          <a:xfrm>
+            <a:off x="2495819" y="3421977"/>
+            <a:ext cx="1800460" cy="1424323"/>
+          </a:xfrm>
+          <a:prstGeom prst="roundRect">
+            <a:avLst/>
+          </a:prstGeom>
+          <a:solidFill>
+            <a:schemeClr val="accent6">
+              <a:lumMod val="75000"/>
+            </a:schemeClr>
+          </a:solidFill>
+        </p:spPr>
+        <p:style>
+          <a:lnRef idx="2">
+            <a:schemeClr val="accent1">
+              <a:shade val="50000"/>
+            </a:schemeClr>
+          </a:lnRef>
+          <a:fillRef idx="1">
+            <a:schemeClr val="accent1"/>
+          </a:fillRef>
+          <a:effectRef idx="0">
+            <a:schemeClr val="accent1"/>
+          </a:effectRef>
+          <a:fontRef idx="minor">
+            <a:schemeClr val="lt1"/>
+          </a:fontRef>
+        </p:style>
+        <p:txBody>
+          <a:bodyPr rtlCol="0" anchor="t"/>
+          <a:lstStyle/>
+          <a:p>
+            <a:pPr algn="ctr"/>
+            <a:r>
+              <a:rPr lang="da-DK" sz="3600" smtClean="0"/>
+              <a:t>Client</a:t>
+            </a:r>
+          </a:p>
+        </p:txBody>
+      </p:sp>
+      <p:cxnSp>
+        <p:nvCxnSpPr>
+          <p:cNvPr id="26" name="Vinklet forbindelse 2"/>
+          <p:cNvCxnSpPr>
+            <a:stCxn id="19" idx="2"/>
+            <a:endCxn id="4" idx="0"/>
+          </p:cNvCxnSpPr>
+          <p:nvPr/>
+        </p:nvCxnSpPr>
+        <p:spPr>
+          <a:xfrm flipH="1">
+            <a:off x="3396049" y="1909675"/>
+            <a:ext cx="1632908" cy="1512302"/>
+          </a:xfrm>
+          <a:prstGeom prst="straightConnector1">
+            <a:avLst/>
+          </a:prstGeom>
+          <a:ln w="76200">
+            <a:solidFill>
+              <a:schemeClr val="bg1">
+                <a:lumMod val="50000"/>
+              </a:schemeClr>
+            </a:solidFill>
+            <a:prstDash val="sysDot"/>
+            <a:headEnd w="lg" len="lg"/>
+            <a:tailEnd type="arrow" w="lg" len="lg"/>
+          </a:ln>
+        </p:spPr>
+        <p:style>
+          <a:lnRef idx="1">
+            <a:schemeClr val="accent1"/>
+          </a:lnRef>
+          <a:fillRef idx="0">
+            <a:schemeClr val="accent1"/>
+          </a:fillRef>
+          <a:effectRef idx="0">
+            <a:schemeClr val="accent1"/>
+          </a:effectRef>
+          <a:fontRef idx="minor">
+            <a:schemeClr val="tx1"/>
+          </a:fontRef>
+        </p:style>
+      </p:cxnSp>
+      <p:cxnSp>
+        <p:nvCxnSpPr>
+          <p:cNvPr id="27" name="Vinklet forbindelse 2"/>
+          <p:cNvCxnSpPr>
+            <a:stCxn id="19" idx="2"/>
+            <a:endCxn id="11" idx="0"/>
+          </p:cNvCxnSpPr>
+          <p:nvPr/>
+        </p:nvCxnSpPr>
+        <p:spPr>
+          <a:xfrm>
+            <a:off x="5028957" y="1909675"/>
+            <a:ext cx="1800460" cy="1512302"/>
+          </a:xfrm>
+          <a:prstGeom prst="straightConnector1">
+            <a:avLst/>
+          </a:prstGeom>
+          <a:ln w="76200">
+            <a:solidFill>
+              <a:schemeClr val="bg1">
+                <a:lumMod val="50000"/>
+              </a:schemeClr>
+            </a:solidFill>
+            <a:prstDash val="sysDot"/>
+            <a:headEnd w="lg" len="lg"/>
+            <a:tailEnd type="arrow" w="lg" len="lg"/>
+          </a:ln>
+        </p:spPr>
+        <p:style>
+          <a:lnRef idx="1">
+            <a:schemeClr val="accent1"/>
+          </a:lnRef>
+          <a:fillRef idx="0">
+            <a:schemeClr val="accent1"/>
+          </a:fillRef>
+          <a:effectRef idx="0">
+            <a:schemeClr val="accent1"/>
+          </a:effectRef>
+          <a:fontRef idx="minor">
+            <a:schemeClr val="tx1"/>
+          </a:fontRef>
+        </p:style>
+      </p:cxnSp>
+      <p:sp>
+        <p:nvSpPr>
+          <p:cNvPr id="19" name="Afrundet rektangel 18"/>
+          <p:cNvSpPr/>
+          <p:nvPr/>
+        </p:nvSpPr>
+        <p:spPr>
+          <a:xfrm>
+            <a:off x="3669033" y="824162"/>
+            <a:ext cx="2719848" cy="1085513"/>
+          </a:xfrm>
+          <a:prstGeom prst="roundRect">
+            <a:avLst/>
+          </a:prstGeom>
+          <a:solidFill>
+            <a:schemeClr val="accent2">
+              <a:lumMod val="75000"/>
+            </a:schemeClr>
+          </a:solidFill>
+        </p:spPr>
+        <p:style>
+          <a:lnRef idx="2">
+            <a:schemeClr val="accent1">
+              <a:shade val="50000"/>
+            </a:schemeClr>
+          </a:lnRef>
+          <a:fillRef idx="1">
+            <a:schemeClr val="accent1"/>
+          </a:fillRef>
+          <a:effectRef idx="0">
+            <a:schemeClr val="accent1"/>
+          </a:effectRef>
+          <a:fontRef idx="minor">
+            <a:schemeClr val="lt1"/>
+          </a:fontRef>
+        </p:style>
+        <p:txBody>
+          <a:bodyPr rtlCol="0" anchor="t"/>
+          <a:lstStyle/>
+          <a:p>
+            <a:pPr algn="ctr"/>
+            <a:r>
+              <a:rPr lang="da-DK" sz="3600" smtClean="0"/>
+              <a:t>Configurator</a:t>
+            </a:r>
+          </a:p>
+        </p:txBody>
+      </p:sp>
+      <p:sp>
+        <p:nvSpPr>
+          <p:cNvPr id="11" name="Afrundet rektangel 10"/>
+          <p:cNvSpPr/>
+          <p:nvPr/>
+        </p:nvSpPr>
+        <p:spPr>
+          <a:xfrm>
+            <a:off x="5929187" y="3421977"/>
+            <a:ext cx="1800460" cy="1424323"/>
+          </a:xfrm>
+          <a:prstGeom prst="roundRect">
+            <a:avLst/>
+          </a:prstGeom>
+          <a:solidFill>
+            <a:srgbClr val="C00000"/>
+          </a:solidFill>
+        </p:spPr>
+        <p:style>
+          <a:lnRef idx="2">
+            <a:schemeClr val="accent1">
+              <a:shade val="50000"/>
+            </a:schemeClr>
+          </a:lnRef>
+          <a:fillRef idx="1">
+            <a:schemeClr val="accent1"/>
+          </a:fillRef>
+          <a:effectRef idx="0">
+            <a:schemeClr val="accent1"/>
+          </a:effectRef>
+          <a:fontRef idx="minor">
+            <a:schemeClr val="lt1"/>
+          </a:fontRef>
+        </p:style>
+        <p:txBody>
+          <a:bodyPr rtlCol="0" anchor="t"/>
+          <a:lstStyle/>
+          <a:p>
+            <a:pPr algn="ctr"/>
+            <a:r>
+              <a:rPr lang="da-DK" sz="2800" smtClean="0"/>
+              <a:t>Adapter</a:t>
+            </a:r>
+          </a:p>
+          <a:p>
+            <a:pPr algn="ctr"/>
+            <a:r>
+              <a:rPr lang="da-DK" sz="2800" smtClean="0"/>
+              <a:t>XY</a:t>
+            </a:r>
+          </a:p>
+        </p:txBody>
+      </p:sp>
+    </p:spTree>
+    <p:extLst>
+      <p:ext uri="{BB962C8B-B14F-4D97-AF65-F5344CB8AC3E}">
+        <p14:creationId xmlns:p14="http://schemas.microsoft.com/office/powerpoint/2010/main" val="2138729060"/>
+      </p:ext>
+    </p:extLst>
+  </p:cSld>
+  <p:clrMapOvr>
+    <a:masterClrMapping/>
+  </p:clrMapOvr>
+  <mc:AlternateContent xmlns:mc="http://schemas.openxmlformats.org/markup-compatibility/2006" xmlns:p14="http://schemas.microsoft.com/office/powerpoint/2010/main">
+    <mc:Choice Requires="p14">
+      <p:transition p14:dur="0"/>
+    </mc:Choice>
+    <mc:Fallback xmlns="">
+      <p:transition/>
+    </mc:Fallback>
+  </mc:AlternateContent>
+  <p:timing>
+    <p:tnLst>
+      <p:par>
+        <p:cTn id="1" dur="indefinite" restart="never" nodeType="tmRoot"/>
+      </p:par>
+    </p:tnLst>
+  </p:timing>
+</p:sld>
+</file>
+
 <file path=ppt/slides/slide3.xml><?xml version="1.0" encoding="utf-8"?>
 <p:sld xmlns:a="http://schemas.openxmlformats.org/drawingml/2006/main" xmlns:r="http://schemas.openxmlformats.org/officeDocument/2006/relationships" xmlns:p="http://schemas.openxmlformats.org/presentationml/2006/main">
   <p:cSld>
@@ -9371,7 +10134,7 @@
         </p:nvSpPr>
         <p:spPr>
           <a:xfrm>
-            <a:off x="5976910" y="4282195"/>
+            <a:off x="5976910" y="5013715"/>
             <a:ext cx="3347074" cy="918098"/>
           </a:xfrm>
           <a:prstGeom prst="roundRect">
@@ -9417,7 +10180,7 @@
         </p:nvSpPr>
         <p:spPr>
           <a:xfrm>
-            <a:off x="5976910" y="1336979"/>
+            <a:off x="5976910" y="605459"/>
             <a:ext cx="3347074" cy="918098"/>
           </a:xfrm>
           <a:prstGeom prst="roundRect">
@@ -9461,10 +10224,133 @@
           </a:p>
         </p:txBody>
       </p:sp>
+      <p:cxnSp>
+        <p:nvCxnSpPr>
+          <p:cNvPr id="6" name="Vinklet forbindelse 2"/>
+          <p:cNvCxnSpPr>
+            <a:stCxn id="10" idx="0"/>
+            <a:endCxn id="18" idx="2"/>
+          </p:cNvCxnSpPr>
+          <p:nvPr/>
+        </p:nvCxnSpPr>
+        <p:spPr>
+          <a:xfrm flipV="1">
+            <a:off x="7650447" y="1523557"/>
+            <a:ext cx="0" cy="1286030"/>
+          </a:xfrm>
+          <a:prstGeom prst="straightConnector1">
+            <a:avLst/>
+          </a:prstGeom>
+          <a:ln w="76200">
+            <a:solidFill>
+              <a:schemeClr val="tx1"/>
+            </a:solidFill>
+            <a:headEnd w="lg" len="lg"/>
+            <a:tailEnd type="triangle" w="lg" len="lg"/>
+          </a:ln>
+        </p:spPr>
+        <p:style>
+          <a:lnRef idx="1">
+            <a:schemeClr val="accent1"/>
+          </a:lnRef>
+          <a:fillRef idx="0">
+            <a:schemeClr val="accent1"/>
+          </a:fillRef>
+          <a:effectRef idx="0">
+            <a:schemeClr val="accent1"/>
+          </a:effectRef>
+          <a:fontRef idx="minor">
+            <a:schemeClr val="tx1"/>
+          </a:fontRef>
+        </p:style>
+      </p:cxnSp>
+      <p:cxnSp>
+        <p:nvCxnSpPr>
+          <p:cNvPr id="9" name="Vinklet forbindelse 2"/>
+          <p:cNvCxnSpPr>
+            <a:stCxn id="8" idx="0"/>
+            <a:endCxn id="10" idx="2"/>
+          </p:cNvCxnSpPr>
+          <p:nvPr/>
+        </p:nvCxnSpPr>
+        <p:spPr>
+          <a:xfrm flipV="1">
+            <a:off x="7650447" y="3727685"/>
+            <a:ext cx="0" cy="1286030"/>
+          </a:xfrm>
+          <a:prstGeom prst="straightConnector1">
+            <a:avLst/>
+          </a:prstGeom>
+          <a:ln w="76200">
+            <a:solidFill>
+              <a:schemeClr val="tx1"/>
+            </a:solidFill>
+            <a:headEnd w="lg" len="lg"/>
+            <a:tailEnd type="triangle" w="lg" len="lg"/>
+          </a:ln>
+        </p:spPr>
+        <p:style>
+          <a:lnRef idx="1">
+            <a:schemeClr val="accent1"/>
+          </a:lnRef>
+          <a:fillRef idx="0">
+            <a:schemeClr val="accent1"/>
+          </a:fillRef>
+          <a:effectRef idx="0">
+            <a:schemeClr val="accent1"/>
+          </a:effectRef>
+          <a:fontRef idx="minor">
+            <a:schemeClr val="tx1"/>
+          </a:fontRef>
+        </p:style>
+      </p:cxnSp>
+      <p:cxnSp>
+        <p:nvCxnSpPr>
+          <p:cNvPr id="13" name="Vinklet forbindelse 2"/>
+          <p:cNvCxnSpPr>
+            <a:stCxn id="4" idx="3"/>
+            <a:endCxn id="18" idx="1"/>
+          </p:cNvCxnSpPr>
+          <p:nvPr/>
+        </p:nvCxnSpPr>
+        <p:spPr>
+          <a:xfrm flipV="1">
+            <a:off x="3466857" y="1064508"/>
+            <a:ext cx="2510053" cy="2204128"/>
+          </a:xfrm>
+          <a:prstGeom prst="straightConnector1">
+            <a:avLst/>
+          </a:prstGeom>
+          <a:ln w="76200">
+            <a:solidFill>
+              <a:schemeClr val="bg1">
+                <a:lumMod val="50000"/>
+              </a:schemeClr>
+            </a:solidFill>
+            <a:prstDash val="sysDot"/>
+            <a:headEnd w="lg" len="lg"/>
+            <a:tailEnd type="arrow" w="lg" len="lg"/>
+          </a:ln>
+        </p:spPr>
+        <p:style>
+          <a:lnRef idx="1">
+            <a:schemeClr val="accent1"/>
+          </a:lnRef>
+          <a:fillRef idx="0">
+            <a:schemeClr val="accent1"/>
+          </a:fillRef>
+          <a:effectRef idx="0">
+            <a:schemeClr val="accent1"/>
+          </a:effectRef>
+          <a:fontRef idx="minor">
+            <a:schemeClr val="tx1"/>
+          </a:fontRef>
+        </p:style>
+      </p:cxnSp>
     </p:spTree>
     <p:extLst>
       <p:ext uri="{BB962C8B-B14F-4D97-AF65-F5344CB8AC3E}">
-        <p14:creationId xmlns:p14="http://schemas.microsoft.com/office/powerpoint/2010/main" val="1854217682"/>
+        <p14:creationId xmlns:p14="http://schemas.microsoft.com/office/powerpoint/2010/main" val="372911468"/>
       </p:ext>
     </p:extLst>
   </p:cSld>
@@ -9482,250 +10368,9 @@
   <p:timing>
     <p:tnLst>
       <p:par>
-        <p:cTn id="1" dur="indefinite" restart="never" nodeType="tmRoot">
-          <p:childTnLst>
-            <p:seq concurrent="1" nextAc="seek">
-              <p:cTn id="2" dur="indefinite" nodeType="mainSeq">
-                <p:childTnLst>
-                  <p:par>
-                    <p:cTn id="3" fill="hold">
-                      <p:stCondLst>
-                        <p:cond delay="indefinite"/>
-                      </p:stCondLst>
-                      <p:childTnLst>
-                        <p:par>
-                          <p:cTn id="4" fill="hold">
-                            <p:stCondLst>
-                              <p:cond delay="0"/>
-                            </p:stCondLst>
-                            <p:childTnLst>
-                              <p:par>
-                                <p:cTn id="5" presetID="10" presetClass="entr" presetSubtype="0" fill="hold" grpId="0" nodeType="clickEffect">
-                                  <p:stCondLst>
-                                    <p:cond delay="0"/>
-                                  </p:stCondLst>
-                                  <p:childTnLst>
-                                    <p:set>
-                                      <p:cBhvr>
-                                        <p:cTn id="6" dur="1" fill="hold">
-                                          <p:stCondLst>
-                                            <p:cond delay="0"/>
-                                          </p:stCondLst>
-                                        </p:cTn>
-                                        <p:tgtEl>
-                                          <p:spTgt spid="8"/>
-                                        </p:tgtEl>
-                                        <p:attrNameLst>
-                                          <p:attrName>style.visibility</p:attrName>
-                                        </p:attrNameLst>
-                                      </p:cBhvr>
-                                      <p:to>
-                                        <p:strVal val="visible"/>
-                                      </p:to>
-                                    </p:set>
-                                    <p:animEffect transition="in" filter="fade">
-                                      <p:cBhvr>
-                                        <p:cTn id="7" dur="500"/>
-                                        <p:tgtEl>
-                                          <p:spTgt spid="8"/>
-                                        </p:tgtEl>
-                                      </p:cBhvr>
-                                    </p:animEffect>
-                                  </p:childTnLst>
-                                </p:cTn>
-                              </p:par>
-                            </p:childTnLst>
-                          </p:cTn>
-                        </p:par>
-                      </p:childTnLst>
-                    </p:cTn>
-                  </p:par>
-                  <p:par>
-                    <p:cTn id="8" fill="hold">
-                      <p:stCondLst>
-                        <p:cond delay="indefinite"/>
-                      </p:stCondLst>
-                      <p:childTnLst>
-                        <p:par>
-                          <p:cTn id="9" fill="hold">
-                            <p:stCondLst>
-                              <p:cond delay="0"/>
-                            </p:stCondLst>
-                            <p:childTnLst>
-                              <p:par>
-                                <p:cTn id="10" presetID="10" presetClass="entr" presetSubtype="0" fill="hold" grpId="0" nodeType="clickEffect">
-                                  <p:stCondLst>
-                                    <p:cond delay="0"/>
-                                  </p:stCondLst>
-                                  <p:childTnLst>
-                                    <p:set>
-                                      <p:cBhvr>
-                                        <p:cTn id="11" dur="1" fill="hold">
-                                          <p:stCondLst>
-                                            <p:cond delay="0"/>
-                                          </p:stCondLst>
-                                        </p:cTn>
-                                        <p:tgtEl>
-                                          <p:spTgt spid="10"/>
-                                        </p:tgtEl>
-                                        <p:attrNameLst>
-                                          <p:attrName>style.visibility</p:attrName>
-                                        </p:attrNameLst>
-                                      </p:cBhvr>
-                                      <p:to>
-                                        <p:strVal val="visible"/>
-                                      </p:to>
-                                    </p:set>
-                                    <p:animEffect transition="in" filter="fade">
-                                      <p:cBhvr>
-                                        <p:cTn id="12" dur="500"/>
-                                        <p:tgtEl>
-                                          <p:spTgt spid="10"/>
-                                        </p:tgtEl>
-                                      </p:cBhvr>
-                                    </p:animEffect>
-                                  </p:childTnLst>
-                                </p:cTn>
-                              </p:par>
-                            </p:childTnLst>
-                          </p:cTn>
-                        </p:par>
-                      </p:childTnLst>
-                    </p:cTn>
-                  </p:par>
-                  <p:par>
-                    <p:cTn id="13" fill="hold">
-                      <p:stCondLst>
-                        <p:cond delay="indefinite"/>
-                      </p:stCondLst>
-                      <p:childTnLst>
-                        <p:par>
-                          <p:cTn id="14" fill="hold">
-                            <p:stCondLst>
-                              <p:cond delay="0"/>
-                            </p:stCondLst>
-                            <p:childTnLst>
-                              <p:par>
-                                <p:cTn id="15" presetID="10" presetClass="entr" presetSubtype="0" fill="hold" grpId="0" nodeType="clickEffect">
-                                  <p:stCondLst>
-                                    <p:cond delay="0"/>
-                                  </p:stCondLst>
-                                  <p:childTnLst>
-                                    <p:set>
-                                      <p:cBhvr>
-                                        <p:cTn id="16" dur="1" fill="hold">
-                                          <p:stCondLst>
-                                            <p:cond delay="0"/>
-                                          </p:stCondLst>
-                                        </p:cTn>
-                                        <p:tgtEl>
-                                          <p:spTgt spid="18"/>
-                                        </p:tgtEl>
-                                        <p:attrNameLst>
-                                          <p:attrName>style.visibility</p:attrName>
-                                        </p:attrNameLst>
-                                      </p:cBhvr>
-                                      <p:to>
-                                        <p:strVal val="visible"/>
-                                      </p:to>
-                                    </p:set>
-                                    <p:animEffect transition="in" filter="fade">
-                                      <p:cBhvr>
-                                        <p:cTn id="17" dur="500"/>
-                                        <p:tgtEl>
-                                          <p:spTgt spid="18"/>
-                                        </p:tgtEl>
-                                      </p:cBhvr>
-                                    </p:animEffect>
-                                  </p:childTnLst>
-                                </p:cTn>
-                              </p:par>
-                            </p:childTnLst>
-                          </p:cTn>
-                        </p:par>
-                      </p:childTnLst>
-                    </p:cTn>
-                  </p:par>
-                  <p:par>
-                    <p:cTn id="18" fill="hold">
-                      <p:stCondLst>
-                        <p:cond delay="indefinite"/>
-                      </p:stCondLst>
-                      <p:childTnLst>
-                        <p:par>
-                          <p:cTn id="19" fill="hold">
-                            <p:stCondLst>
-                              <p:cond delay="0"/>
-                            </p:stCondLst>
-                            <p:childTnLst>
-                              <p:par>
-                                <p:cTn id="20" presetID="10" presetClass="entr" presetSubtype="0" fill="hold" grpId="0" nodeType="clickEffect">
-                                  <p:stCondLst>
-                                    <p:cond delay="0"/>
-                                  </p:stCondLst>
-                                  <p:childTnLst>
-                                    <p:set>
-                                      <p:cBhvr>
-                                        <p:cTn id="21" dur="1" fill="hold">
-                                          <p:stCondLst>
-                                            <p:cond delay="0"/>
-                                          </p:stCondLst>
-                                        </p:cTn>
-                                        <p:tgtEl>
-                                          <p:spTgt spid="4"/>
-                                        </p:tgtEl>
-                                        <p:attrNameLst>
-                                          <p:attrName>style.visibility</p:attrName>
-                                        </p:attrNameLst>
-                                      </p:cBhvr>
-                                      <p:to>
-                                        <p:strVal val="visible"/>
-                                      </p:to>
-                                    </p:set>
-                                    <p:animEffect transition="in" filter="fade">
-                                      <p:cBhvr>
-                                        <p:cTn id="22" dur="500"/>
-                                        <p:tgtEl>
-                                          <p:spTgt spid="4"/>
-                                        </p:tgtEl>
-                                      </p:cBhvr>
-                                    </p:animEffect>
-                                  </p:childTnLst>
-                                </p:cTn>
-                              </p:par>
-                            </p:childTnLst>
-                          </p:cTn>
-                        </p:par>
-                      </p:childTnLst>
-                    </p:cTn>
-                  </p:par>
-                </p:childTnLst>
-              </p:cTn>
-              <p:prevCondLst>
-                <p:cond evt="onPrev" delay="0">
-                  <p:tgtEl>
-                    <p:sldTgt/>
-                  </p:tgtEl>
-                </p:cond>
-              </p:prevCondLst>
-              <p:nextCondLst>
-                <p:cond evt="onNext" delay="0">
-                  <p:tgtEl>
-                    <p:sldTgt/>
-                  </p:tgtEl>
-                </p:cond>
-              </p:nextCondLst>
-            </p:seq>
-          </p:childTnLst>
-        </p:cTn>
+        <p:cTn id="1" dur="indefinite" restart="never" nodeType="tmRoot"/>
       </p:par>
     </p:tnLst>
-    <p:bldLst>
-      <p:bldP spid="10" grpId="0" animBg="1"/>
-      <p:bldP spid="4" grpId="0" animBg="1"/>
-      <p:bldP spid="8" grpId="0" animBg="1"/>
-      <p:bldP spid="18" grpId="0" animBg="1"/>
-    </p:bldLst>
   </p:timing>
 </p:sld>
 </file>
